--- a/kubernetes.pptx
+++ b/kubernetes.pptx
@@ -259,7 +259,7 @@
           <a:p>
             <a:fld id="{9EDDE434-ECFA-40C7-A6C3-C5B16731B1B8}" type="datetimeFigureOut">
               <a:rPr lang="en-US" smtClean="0"/>
-              <a:t>5/18/2020</a:t>
+              <a:t>8/27/2020</a:t>
             </a:fld>
             <a:endParaRPr lang="en-US"/>
           </a:p>
@@ -2248,7 +2248,7 @@
           <a:p>
             <a:fld id="{15384FCE-1CBB-4B2C-AB83-0639951D88F5}" type="datetimeFigureOut">
               <a:rPr lang="en-US" smtClean="0"/>
-              <a:t>5/18/2020</a:t>
+              <a:t>8/27/2020</a:t>
             </a:fld>
             <a:endParaRPr lang="en-US" dirty="0"/>
           </a:p>
@@ -2502,7 +2502,7 @@
           <a:p>
             <a:fld id="{15384FCE-1CBB-4B2C-AB83-0639951D88F5}" type="datetimeFigureOut">
               <a:rPr lang="en-US" smtClean="0"/>
-              <a:t>5/18/2020</a:t>
+              <a:t>8/27/2020</a:t>
             </a:fld>
             <a:endParaRPr lang="en-US" dirty="0"/>
           </a:p>
@@ -2773,7 +2773,7 @@
           <a:p>
             <a:fld id="{15384FCE-1CBB-4B2C-AB83-0639951D88F5}" type="datetimeFigureOut">
               <a:rPr lang="en-US" smtClean="0"/>
-              <a:t>5/18/2020</a:t>
+              <a:t>8/27/2020</a:t>
             </a:fld>
             <a:endParaRPr lang="en-US"/>
           </a:p>
@@ -3081,7 +3081,7 @@
           <a:p>
             <a:fld id="{15384FCE-1CBB-4B2C-AB83-0639951D88F5}" type="datetimeFigureOut">
               <a:rPr lang="en-US" smtClean="0"/>
-              <a:t>5/18/2020</a:t>
+              <a:t>8/27/2020</a:t>
             </a:fld>
             <a:endParaRPr lang="en-US"/>
           </a:p>
@@ -3407,7 +3407,7 @@
           <a:p>
             <a:fld id="{15384FCE-1CBB-4B2C-AB83-0639951D88F5}" type="datetimeFigureOut">
               <a:rPr lang="en-US" smtClean="0"/>
-              <a:t>5/18/2020</a:t>
+              <a:t>8/27/2020</a:t>
             </a:fld>
             <a:endParaRPr lang="en-US"/>
           </a:p>
@@ -3615,7 +3615,7 @@
           <a:p>
             <a:fld id="{15384FCE-1CBB-4B2C-AB83-0639951D88F5}" type="datetimeFigureOut">
               <a:rPr lang="en-US" smtClean="0"/>
-              <a:t>5/18/2020</a:t>
+              <a:t>8/27/2020</a:t>
             </a:fld>
             <a:endParaRPr lang="en-US"/>
           </a:p>
@@ -3831,7 +3831,7 @@
             <a:fld id="{B01F9CA3-105E-4857-9057-6DB6197DA786}" type="datetimeFigureOut">
               <a:rPr lang="en-US" smtClean="0"/>
               <a:pPr/>
-              <a:t>5/18/2020</a:t>
+              <a:t>8/27/2020</a:t>
             </a:fld>
             <a:endParaRPr lang="en-US"/>
           </a:p>
@@ -5048,7 +5048,7 @@
             <a:fld id="{B01F9CA3-105E-4857-9057-6DB6197DA786}" type="datetimeFigureOut">
               <a:rPr lang="en-US" smtClean="0"/>
               <a:pPr/>
-              <a:t>5/18/2020</a:t>
+              <a:t>8/27/2020</a:t>
             </a:fld>
             <a:endParaRPr lang="en-US"/>
           </a:p>
@@ -5234,7 +5234,7 @@
             <a:fld id="{B01F9CA3-105E-4857-9057-6DB6197DA786}" type="datetimeFigureOut">
               <a:rPr lang="en-US" smtClean="0"/>
               <a:pPr/>
-              <a:t>5/18/2020</a:t>
+              <a:t>8/27/2020</a:t>
             </a:fld>
             <a:endParaRPr lang="en-US" dirty="0"/>
           </a:p>
@@ -5485,7 +5485,7 @@
             <a:fld id="{B01F9CA3-105E-4857-9057-6DB6197DA786}" type="datetimeFigureOut">
               <a:rPr lang="en-US" smtClean="0"/>
               <a:pPr/>
-              <a:t>5/18/2020</a:t>
+              <a:t>8/27/2020</a:t>
             </a:fld>
             <a:endParaRPr lang="en-US" dirty="0"/>
           </a:p>
@@ -5692,7 +5692,7 @@
             <a:fld id="{B01F9CA3-105E-4857-9057-6DB6197DA786}" type="datetimeFigureOut">
               <a:rPr lang="en-US" smtClean="0"/>
               <a:pPr/>
-              <a:t>5/18/2020</a:t>
+              <a:t>8/27/2020</a:t>
             </a:fld>
             <a:endParaRPr lang="en-US"/>
           </a:p>
@@ -6398,7 +6398,7 @@
           <a:p>
             <a:fld id="{15384FCE-1CBB-4B2C-AB83-0639951D88F5}" type="datetimeFigureOut">
               <a:rPr lang="en-US" smtClean="0"/>
-              <a:t>5/18/2020</a:t>
+              <a:t>8/27/2020</a:t>
             </a:fld>
             <a:endParaRPr lang="en-US"/>
           </a:p>
@@ -7165,7 +7165,7 @@
             <a:fld id="{B01F9CA3-105E-4857-9057-6DB6197DA786}" type="datetimeFigureOut">
               <a:rPr lang="en-US" smtClean="0"/>
               <a:pPr/>
-              <a:t>5/18/2020</a:t>
+              <a:t>8/27/2020</a:t>
             </a:fld>
             <a:endParaRPr lang="en-US"/>
           </a:p>
@@ -7366,7 +7366,7 @@
             <a:fld id="{B01F9CA3-105E-4857-9057-6DB6197DA786}" type="datetimeFigureOut">
               <a:rPr lang="en-US" smtClean="0"/>
               <a:pPr/>
-              <a:t>5/18/2020</a:t>
+              <a:t>8/27/2020</a:t>
             </a:fld>
             <a:endParaRPr lang="en-US"/>
           </a:p>
@@ -7709,7 +7709,7 @@
             <a:fld id="{B01F9CA3-105E-4857-9057-6DB6197DA786}" type="datetimeFigureOut">
               <a:rPr lang="en-US" smtClean="0"/>
               <a:pPr/>
-              <a:t>5/18/2020</a:t>
+              <a:t>8/27/2020</a:t>
             </a:fld>
             <a:endParaRPr lang="en-US" dirty="0"/>
           </a:p>
@@ -8527,7 +8527,7 @@
           <a:p>
             <a:fld id="{15384FCE-1CBB-4B2C-AB83-0639951D88F5}" type="datetimeFigureOut">
               <a:rPr lang="en-US" smtClean="0"/>
-              <a:t>5/18/2020</a:t>
+              <a:t>8/27/2020</a:t>
             </a:fld>
             <a:endParaRPr lang="en-US"/>
           </a:p>
@@ -9396,7 +9396,7 @@
                 <a:ea typeface="Fira Code" panose="020B0509050000020004" pitchFamily="49" charset="0"/>
                 <a:cs typeface="Aharoni" panose="02010803020104030203" pitchFamily="2" charset="-79"/>
               </a:rPr>
-              <a:t>An Introduction to Azure Kubernetes Services</a:t>
+              <a:t>A Crash Course in Azure Kubernetes Services</a:t>
             </a:r>
           </a:p>
         </p:txBody>
@@ -13678,7 +13678,7 @@
 </file>
 
 <file path=ppt/slides/slide16.xml><?xml version="1.0" encoding="utf-8"?>
-<p:sld xmlns:a="http://schemas.openxmlformats.org/drawingml/2006/main" xmlns:r="http://schemas.openxmlformats.org/officeDocument/2006/relationships" xmlns:p="http://schemas.openxmlformats.org/presentationml/2006/main" show="0">
+<p:sld xmlns:a="http://schemas.openxmlformats.org/drawingml/2006/main" xmlns:r="http://schemas.openxmlformats.org/officeDocument/2006/relationships" xmlns:p="http://schemas.openxmlformats.org/presentationml/2006/main">
   <p:cSld>
     <p:spTree>
       <p:nvGrpSpPr>
@@ -16110,7 +16110,7 @@
             </a:r>
             <a:r>
               <a:rPr lang="en-US" dirty="0"/>
-              <a:t>– insure that every node has a copy of a pod</a:t>
+              <a:t>– ensure that every node has a copy of a pod</a:t>
             </a:r>
           </a:p>
           <a:p>
@@ -19778,35 +19778,22 @@
             </a:r>
           </a:p>
           <a:p>
+            <a:endParaRPr lang="en-US" sz="2400" dirty="0"/>
+          </a:p>
+          <a:p>
             <a:r>
               <a:rPr lang="en-US" sz="2400" dirty="0"/>
-              <a:t>Check us out online at </a:t>
+              <a:t>Follow me on Twitter @theonemule</a:t>
+            </a:r>
+          </a:p>
+          <a:p>
+            <a:r>
+              <a:rPr lang="en-US" sz="2400" dirty="0"/>
+              <a:t>Checkout our YouTube channel </a:t>
             </a:r>
             <a:r>
               <a:rPr lang="en-US" sz="2400" dirty="0">
                 <a:hlinkClick r:id="rId3"/>
-              </a:rPr>
-              <a:t>www.Wintellect.com</a:t>
-            </a:r>
-            <a:r>
-              <a:rPr lang="en-US" sz="2400" dirty="0"/>
-              <a:t>.</a:t>
-            </a:r>
-          </a:p>
-          <a:p>
-            <a:r>
-              <a:rPr lang="en-US" sz="2400" dirty="0"/>
-              <a:t>Follow us on Twitter @Wintellect and @theonemule</a:t>
-            </a:r>
-          </a:p>
-          <a:p>
-            <a:r>
-              <a:rPr lang="en-US" sz="2400" dirty="0"/>
-              <a:t>Checkout our YouTube channel </a:t>
-            </a:r>
-            <a:r>
-              <a:rPr lang="en-US" sz="2400" dirty="0">
-                <a:hlinkClick r:id="rId4"/>
               </a:rPr>
               <a:t>https://www.youtube.com/wintellectnow</a:t>
             </a:r>
@@ -19841,7 +19828,7 @@
           <p:nvPr/>
         </p:nvPicPr>
         <p:blipFill>
-          <a:blip r:embed="rId5">
+          <a:blip r:embed="rId4">
             <a:extLst>
               <a:ext uri="{28A0092B-C50C-407E-A947-70E740481C1C}">
                 <a14:useLocalDpi xmlns:a14="http://schemas.microsoft.com/office/drawing/2010/main" val="0"/>
@@ -20022,7 +20009,7 @@
                                         <p:tgtEl>
                                           <p:spTgt spid="10">
                                             <p:txEl>
-                                              <p:pRg st="1" end="1"/>
+                                              <p:pRg st="2" end="2"/>
                                             </p:txEl>
                                           </p:spTgt>
                                         </p:tgtEl>
@@ -20040,7 +20027,7 @@
                                         <p:tgtEl>
                                           <p:spTgt spid="10">
                                             <p:txEl>
-                                              <p:pRg st="1" end="1"/>
+                                              <p:pRg st="2" end="2"/>
                                             </p:txEl>
                                           </p:spTgt>
                                         </p:tgtEl>
@@ -20067,7 +20054,7 @@
                                         <p:tgtEl>
                                           <p:spTgt spid="10">
                                             <p:txEl>
-                                              <p:pRg st="1" end="1"/>
+                                              <p:pRg st="2" end="2"/>
                                             </p:txEl>
                                           </p:spTgt>
                                         </p:tgtEl>
@@ -20125,7 +20112,7 @@
                                         <p:tgtEl>
                                           <p:spTgt spid="10">
                                             <p:txEl>
-                                              <p:pRg st="2" end="2"/>
+                                              <p:pRg st="3" end="3"/>
                                             </p:txEl>
                                           </p:spTgt>
                                         </p:tgtEl>
@@ -20140,109 +20127,6 @@
                                     <p:anim calcmode="lin" valueType="num">
                                       <p:cBhvr additive="base">
                                         <p:cTn id="19" dur="500" fill="hold"/>
-                                        <p:tgtEl>
-                                          <p:spTgt spid="10">
-                                            <p:txEl>
-                                              <p:pRg st="2" end="2"/>
-                                            </p:txEl>
-                                          </p:spTgt>
-                                        </p:tgtEl>
-                                        <p:attrNameLst>
-                                          <p:attrName>ppt_x</p:attrName>
-                                        </p:attrNameLst>
-                                      </p:cBhvr>
-                                      <p:tavLst>
-                                        <p:tav tm="0">
-                                          <p:val>
-                                            <p:strVal val="#ppt_x"/>
-                                          </p:val>
-                                        </p:tav>
-                                        <p:tav tm="100000">
-                                          <p:val>
-                                            <p:strVal val="#ppt_x"/>
-                                          </p:val>
-                                        </p:tav>
-                                      </p:tavLst>
-                                    </p:anim>
-                                    <p:anim calcmode="lin" valueType="num">
-                                      <p:cBhvr additive="base">
-                                        <p:cTn id="20" dur="500" fill="hold"/>
-                                        <p:tgtEl>
-                                          <p:spTgt spid="10">
-                                            <p:txEl>
-                                              <p:pRg st="2" end="2"/>
-                                            </p:txEl>
-                                          </p:spTgt>
-                                        </p:tgtEl>
-                                        <p:attrNameLst>
-                                          <p:attrName>ppt_y</p:attrName>
-                                        </p:attrNameLst>
-                                      </p:cBhvr>
-                                      <p:tavLst>
-                                        <p:tav tm="0">
-                                          <p:val>
-                                            <p:strVal val="1+#ppt_h/2"/>
-                                          </p:val>
-                                        </p:tav>
-                                        <p:tav tm="100000">
-                                          <p:val>
-                                            <p:strVal val="#ppt_y"/>
-                                          </p:val>
-                                        </p:tav>
-                                      </p:tavLst>
-                                    </p:anim>
-                                  </p:childTnLst>
-                                </p:cTn>
-                              </p:par>
-                            </p:childTnLst>
-                          </p:cTn>
-                        </p:par>
-                      </p:childTnLst>
-                    </p:cTn>
-                  </p:par>
-                  <p:par>
-                    <p:cTn id="21" fill="hold">
-                      <p:stCondLst>
-                        <p:cond delay="indefinite"/>
-                      </p:stCondLst>
-                      <p:childTnLst>
-                        <p:par>
-                          <p:cTn id="22" fill="hold">
-                            <p:stCondLst>
-                              <p:cond delay="0"/>
-                            </p:stCondLst>
-                            <p:childTnLst>
-                              <p:par>
-                                <p:cTn id="23" presetID="2" presetClass="entr" presetSubtype="4" fill="hold" nodeType="clickEffect">
-                                  <p:stCondLst>
-                                    <p:cond delay="0"/>
-                                  </p:stCondLst>
-                                  <p:childTnLst>
-                                    <p:set>
-                                      <p:cBhvr>
-                                        <p:cTn id="24" dur="1" fill="hold">
-                                          <p:stCondLst>
-                                            <p:cond delay="0"/>
-                                          </p:stCondLst>
-                                        </p:cTn>
-                                        <p:tgtEl>
-                                          <p:spTgt spid="10">
-                                            <p:txEl>
-                                              <p:pRg st="3" end="3"/>
-                                            </p:txEl>
-                                          </p:spTgt>
-                                        </p:tgtEl>
-                                        <p:attrNameLst>
-                                          <p:attrName>style.visibility</p:attrName>
-                                        </p:attrNameLst>
-                                      </p:cBhvr>
-                                      <p:to>
-                                        <p:strVal val="visible"/>
-                                      </p:to>
-                                    </p:set>
-                                    <p:anim calcmode="lin" valueType="num">
-                                      <p:cBhvr additive="base">
-                                        <p:cTn id="25" dur="500" fill="hold"/>
                                         <p:tgtEl>
                                           <p:spTgt spid="10">
                                             <p:txEl>
@@ -20269,7 +20153,7 @@
                                     </p:anim>
                                     <p:anim calcmode="lin" valueType="num">
                                       <p:cBhvr additive="base">
-                                        <p:cTn id="26" dur="500" fill="hold"/>
+                                        <p:cTn id="20" dur="500" fill="hold"/>
                                         <p:tgtEl>
                                           <p:spTgt spid="10">
                                             <p:txEl>
@@ -20329,7 +20213,7 @@
 </file>
 
 <file path=ppt/slides/slide3.xml><?xml version="1.0" encoding="utf-8"?>
-<p:sld xmlns:a="http://schemas.openxmlformats.org/drawingml/2006/main" xmlns:r="http://schemas.openxmlformats.org/officeDocument/2006/relationships" xmlns:p="http://schemas.openxmlformats.org/presentationml/2006/main">
+<p:sld xmlns:a="http://schemas.openxmlformats.org/drawingml/2006/main" xmlns:r="http://schemas.openxmlformats.org/officeDocument/2006/relationships" xmlns:p="http://schemas.openxmlformats.org/presentationml/2006/main" show="0">
   <p:cSld>
     <p:spTree>
       <p:nvGrpSpPr>
@@ -20455,7 +20339,7 @@
 </file>
 
 <file path=ppt/slides/slide4.xml><?xml version="1.0" encoding="utf-8"?>
-<p:sld xmlns:a="http://schemas.openxmlformats.org/drawingml/2006/main" xmlns:r="http://schemas.openxmlformats.org/officeDocument/2006/relationships" xmlns:p="http://schemas.openxmlformats.org/presentationml/2006/main">
+<p:sld xmlns:a="http://schemas.openxmlformats.org/drawingml/2006/main" xmlns:r="http://schemas.openxmlformats.org/officeDocument/2006/relationships" xmlns:p="http://schemas.openxmlformats.org/presentationml/2006/main" show="0">
   <p:cSld>
     <p:spTree>
       <p:nvGrpSpPr>
